--- a/Semester 3/OOP2/Notes/6_Basics of Inheritance.pptx
+++ b/Semester 3/OOP2/Notes/6_Basics of Inheritance.pptx
@@ -226,7 +226,7 @@
           <a:p>
             <a:fld id="{D367FF5F-5062-43B6-8CF4-8D97F7B308A2}" type="datetimeFigureOut">
               <a:rPr lang="en-IE" smtClean="0"/>
-              <a:t>07/10/2014</a:t>
+              <a:t>13/10/2014</a:t>
             </a:fld>
             <a:endParaRPr lang="en-IE"/>
           </a:p>
@@ -648,7 +648,7 @@
             <a:fld id="{4F97C4F3-A3E1-4E86-9E06-660D7C006DB3}" type="datetime1">
               <a:rPr lang="en-IE" sz="1200" smtClean="0"/>
               <a:pPr/>
-              <a:t>07/10/2014</a:t>
+              <a:t>13/10/2014</a:t>
             </a:fld>
             <a:endParaRPr lang="en-IE" sz="1200" smtClean="0"/>
           </a:p>
@@ -1500,7 +1500,7 @@
             <a:fld id="{ECE8B699-81AF-4712-A72D-6C44CA3D22E1}" type="datetime1">
               <a:rPr lang="en-IE" sz="1200" smtClean="0"/>
               <a:pPr/>
-              <a:t>07/10/2014</a:t>
+              <a:t>13/10/2014</a:t>
             </a:fld>
             <a:endParaRPr lang="en-IE" sz="1200" smtClean="0"/>
           </a:p>
@@ -2012,7 +2012,7 @@
             <a:fld id="{E3B58B60-A4CD-4D21-A9EE-C77CAAE7323D}" type="datetime1">
               <a:rPr lang="en-IE" sz="1200" smtClean="0"/>
               <a:pPr/>
-              <a:t>07/10/2014</a:t>
+              <a:t>13/10/2014</a:t>
             </a:fld>
             <a:endParaRPr lang="en-IE" sz="1200" smtClean="0"/>
           </a:p>
@@ -2524,7 +2524,7 @@
             <a:fld id="{994A1EB0-6AE7-46A2-BB04-1DB7BCFF6A49}" type="datetime1">
               <a:rPr lang="en-IE" sz="1200" smtClean="0"/>
               <a:pPr/>
-              <a:t>07/10/2014</a:t>
+              <a:t>13/10/2014</a:t>
             </a:fld>
             <a:endParaRPr lang="en-IE" sz="1200" smtClean="0"/>
           </a:p>
@@ -3036,7 +3036,7 @@
             <a:fld id="{C98F2137-471E-4A29-8BBE-882314A71CED}" type="datetime1">
               <a:rPr lang="en-IE" sz="1200" smtClean="0"/>
               <a:pPr/>
-              <a:t>07/10/2014</a:t>
+              <a:t>13/10/2014</a:t>
             </a:fld>
             <a:endParaRPr lang="en-IE" sz="1200" smtClean="0"/>
           </a:p>
@@ -3548,7 +3548,7 @@
             <a:fld id="{2E4BB74D-61E4-41F8-9CB2-767E225E411D}" type="datetime1">
               <a:rPr lang="en-IE" sz="1200" smtClean="0"/>
               <a:pPr/>
-              <a:t>07/10/2014</a:t>
+              <a:t>13/10/2014</a:t>
             </a:fld>
             <a:endParaRPr lang="en-IE" sz="1200" smtClean="0"/>
           </a:p>
@@ -4145,7 +4145,7 @@
             <a:fld id="{D88602BD-244F-4AB1-8ED0-509B4E0CF8EB}" type="datetime1">
               <a:rPr lang="en-IE" sz="1200" smtClean="0"/>
               <a:pPr/>
-              <a:t>07/10/2014</a:t>
+              <a:t>13/10/2014</a:t>
             </a:fld>
             <a:endParaRPr lang="en-IE" sz="1200" smtClean="0"/>
           </a:p>
@@ -4742,7 +4742,7 @@
             <a:fld id="{4B268F69-862B-4372-86B1-1E75F839E96F}" type="datetime1">
               <a:rPr lang="en-IE" sz="1200" smtClean="0"/>
               <a:pPr/>
-              <a:t>07/10/2014</a:t>
+              <a:t>13/10/2014</a:t>
             </a:fld>
             <a:endParaRPr lang="en-IE" sz="1200" smtClean="0"/>
           </a:p>
@@ -5254,7 +5254,7 @@
             <a:fld id="{FED7C68E-DE40-4AF6-9778-DC947D501B43}" type="datetime1">
               <a:rPr lang="en-IE" sz="1200" smtClean="0"/>
               <a:pPr/>
-              <a:t>07/10/2014</a:t>
+              <a:t>13/10/2014</a:t>
             </a:fld>
             <a:endParaRPr lang="en-IE" sz="1200" smtClean="0"/>
           </a:p>
@@ -5766,7 +5766,7 @@
             <a:fld id="{C0FEEE2F-7A4F-48FA-AB80-7DC14DF83334}" type="datetime1">
               <a:rPr lang="en-IE" sz="1200" smtClean="0"/>
               <a:pPr/>
-              <a:t>07/10/2014</a:t>
+              <a:t>13/10/2014</a:t>
             </a:fld>
             <a:endParaRPr lang="en-IE" sz="1200" smtClean="0"/>
           </a:p>
@@ -6278,7 +6278,7 @@
             <a:fld id="{B523977C-31DF-49CD-8BC2-DBE904997958}" type="datetime1">
               <a:rPr lang="en-IE" sz="1200" smtClean="0"/>
               <a:pPr/>
-              <a:t>07/10/2014</a:t>
+              <a:t>13/10/2014</a:t>
             </a:fld>
             <a:endParaRPr lang="en-IE" sz="1200" smtClean="0"/>
           </a:p>
@@ -6790,7 +6790,7 @@
             <a:fld id="{D7BD479A-0BB4-4282-8EE2-3479855588A4}" type="datetime1">
               <a:rPr lang="en-IE" sz="1200" smtClean="0"/>
               <a:pPr/>
-              <a:t>07/10/2014</a:t>
+              <a:t>13/10/2014</a:t>
             </a:fld>
             <a:endParaRPr lang="en-IE" sz="1200" smtClean="0"/>
           </a:p>
@@ -7302,7 +7302,7 @@
             <a:fld id="{0AA45C9E-7BA6-4597-9E2B-802689403E7C}" type="datetime1">
               <a:rPr lang="en-IE" sz="1200" smtClean="0"/>
               <a:pPr/>
-              <a:t>07/10/2014</a:t>
+              <a:t>13/10/2014</a:t>
             </a:fld>
             <a:endParaRPr lang="en-IE" sz="1200" smtClean="0"/>
           </a:p>
@@ -7814,7 +7814,7 @@
             <a:fld id="{385A5FFB-A041-40DC-9857-DBCE660DE136}" type="datetime1">
               <a:rPr lang="en-IE" sz="1200" smtClean="0"/>
               <a:pPr/>
-              <a:t>07/10/2014</a:t>
+              <a:t>13/10/2014</a:t>
             </a:fld>
             <a:endParaRPr lang="en-IE" sz="1200" smtClean="0"/>
           </a:p>
@@ -8326,7 +8326,7 @@
             <a:fld id="{87CDA8C9-4FAB-417C-A805-75F666277E3F}" type="datetime1">
               <a:rPr lang="en-IE" sz="1200" smtClean="0"/>
               <a:pPr/>
-              <a:t>07/10/2014</a:t>
+              <a:t>13/10/2014</a:t>
             </a:fld>
             <a:endParaRPr lang="en-IE" sz="1200" smtClean="0"/>
           </a:p>
@@ -8838,7 +8838,7 @@
             <a:fld id="{B7965AD2-6694-469B-B3A7-80D371229586}" type="datetime1">
               <a:rPr lang="en-IE" sz="1200" smtClean="0"/>
               <a:pPr/>
-              <a:t>07/10/2014</a:t>
+              <a:t>13/10/2014</a:t>
             </a:fld>
             <a:endParaRPr lang="en-IE" sz="1200" smtClean="0"/>
           </a:p>
@@ -9350,7 +9350,7 @@
             <a:fld id="{EE21F7BE-DDAE-4D91-BC1C-C5FFEA4D4386}" type="datetime1">
               <a:rPr lang="en-IE" sz="1200" smtClean="0"/>
               <a:pPr/>
-              <a:t>07/10/2014</a:t>
+              <a:t>13/10/2014</a:t>
             </a:fld>
             <a:endParaRPr lang="en-IE" sz="1200" smtClean="0"/>
           </a:p>
@@ -9862,7 +9862,7 @@
             <a:fld id="{A7410C3C-F536-4377-87A4-F8B8E201E924}" type="datetime1">
               <a:rPr lang="en-IE" sz="1200" smtClean="0"/>
               <a:pPr/>
-              <a:t>07/10/2014</a:t>
+              <a:t>13/10/2014</a:t>
             </a:fld>
             <a:endParaRPr lang="en-IE" sz="1200" smtClean="0"/>
           </a:p>
@@ -10374,7 +10374,7 @@
             <a:fld id="{2E056C43-659C-4AD2-B27C-6FFB88DE8894}" type="datetime1">
               <a:rPr lang="en-IE" sz="1200" smtClean="0"/>
               <a:pPr/>
-              <a:t>07/10/2014</a:t>
+              <a:t>13/10/2014</a:t>
             </a:fld>
             <a:endParaRPr lang="en-IE" sz="1200" smtClean="0"/>
           </a:p>
@@ -10886,7 +10886,7 @@
             <a:fld id="{C6A410A3-3C51-4C6C-A02C-BD7F1D833D8B}" type="datetime1">
               <a:rPr lang="en-IE" sz="1200" smtClean="0"/>
               <a:pPr/>
-              <a:t>07/10/2014</a:t>
+              <a:t>13/10/2014</a:t>
             </a:fld>
             <a:endParaRPr lang="en-IE" sz="1200" smtClean="0"/>
           </a:p>
@@ -11398,7 +11398,7 @@
             <a:fld id="{416F81A3-D4A9-49E0-AC12-1FB7F86A77A0}" type="datetime1">
               <a:rPr lang="en-IE" sz="1200" smtClean="0"/>
               <a:pPr/>
-              <a:t>07/10/2014</a:t>
+              <a:t>13/10/2014</a:t>
             </a:fld>
             <a:endParaRPr lang="en-IE" sz="1200" smtClean="0"/>
           </a:p>
@@ -12142,7 +12142,7 @@
           <a:p>
             <a:fld id="{C57078D7-F52C-4ACD-A89C-FA2D4303C4A9}" type="datetimeFigureOut">
               <a:rPr lang="en-IE" smtClean="0"/>
-              <a:t>07/10/2014</a:t>
+              <a:t>13/10/2014</a:t>
             </a:fld>
             <a:endParaRPr lang="en-IE"/>
           </a:p>
@@ -12312,7 +12312,7 @@
           <a:p>
             <a:fld id="{C57078D7-F52C-4ACD-A89C-FA2D4303C4A9}" type="datetimeFigureOut">
               <a:rPr lang="en-IE" smtClean="0"/>
-              <a:t>07/10/2014</a:t>
+              <a:t>13/10/2014</a:t>
             </a:fld>
             <a:endParaRPr lang="en-IE"/>
           </a:p>
@@ -12492,7 +12492,7 @@
           <a:p>
             <a:fld id="{C57078D7-F52C-4ACD-A89C-FA2D4303C4A9}" type="datetimeFigureOut">
               <a:rPr lang="en-IE" smtClean="0"/>
-              <a:t>07/10/2014</a:t>
+              <a:t>13/10/2014</a:t>
             </a:fld>
             <a:endParaRPr lang="en-IE"/>
           </a:p>
@@ -12662,7 +12662,7 @@
           <a:p>
             <a:fld id="{C57078D7-F52C-4ACD-A89C-FA2D4303C4A9}" type="datetimeFigureOut">
               <a:rPr lang="en-IE" smtClean="0"/>
-              <a:t>07/10/2014</a:t>
+              <a:t>13/10/2014</a:t>
             </a:fld>
             <a:endParaRPr lang="en-IE"/>
           </a:p>
@@ -12908,7 +12908,7 @@
           <a:p>
             <a:fld id="{C57078D7-F52C-4ACD-A89C-FA2D4303C4A9}" type="datetimeFigureOut">
               <a:rPr lang="en-IE" smtClean="0"/>
-              <a:t>07/10/2014</a:t>
+              <a:t>13/10/2014</a:t>
             </a:fld>
             <a:endParaRPr lang="en-IE"/>
           </a:p>
@@ -13140,7 +13140,7 @@
           <a:p>
             <a:fld id="{C57078D7-F52C-4ACD-A89C-FA2D4303C4A9}" type="datetimeFigureOut">
               <a:rPr lang="en-IE" smtClean="0"/>
-              <a:t>07/10/2014</a:t>
+              <a:t>13/10/2014</a:t>
             </a:fld>
             <a:endParaRPr lang="en-IE"/>
           </a:p>
@@ -13507,7 +13507,7 @@
           <a:p>
             <a:fld id="{C57078D7-F52C-4ACD-A89C-FA2D4303C4A9}" type="datetimeFigureOut">
               <a:rPr lang="en-IE" smtClean="0"/>
-              <a:t>07/10/2014</a:t>
+              <a:t>13/10/2014</a:t>
             </a:fld>
             <a:endParaRPr lang="en-IE"/>
           </a:p>
@@ -13625,7 +13625,7 @@
           <a:p>
             <a:fld id="{C57078D7-F52C-4ACD-A89C-FA2D4303C4A9}" type="datetimeFigureOut">
               <a:rPr lang="en-IE" smtClean="0"/>
-              <a:t>07/10/2014</a:t>
+              <a:t>13/10/2014</a:t>
             </a:fld>
             <a:endParaRPr lang="en-IE"/>
           </a:p>
@@ -13720,7 +13720,7 @@
           <a:p>
             <a:fld id="{C57078D7-F52C-4ACD-A89C-FA2D4303C4A9}" type="datetimeFigureOut">
               <a:rPr lang="en-IE" smtClean="0"/>
-              <a:t>07/10/2014</a:t>
+              <a:t>13/10/2014</a:t>
             </a:fld>
             <a:endParaRPr lang="en-IE"/>
           </a:p>
@@ -13997,7 +13997,7 @@
           <a:p>
             <a:fld id="{C57078D7-F52C-4ACD-A89C-FA2D4303C4A9}" type="datetimeFigureOut">
               <a:rPr lang="en-IE" smtClean="0"/>
-              <a:t>07/10/2014</a:t>
+              <a:t>13/10/2014</a:t>
             </a:fld>
             <a:endParaRPr lang="en-IE"/>
           </a:p>
@@ -14250,7 +14250,7 @@
           <a:p>
             <a:fld id="{C57078D7-F52C-4ACD-A89C-FA2D4303C4A9}" type="datetimeFigureOut">
               <a:rPr lang="en-IE" smtClean="0"/>
-              <a:t>07/10/2014</a:t>
+              <a:t>13/10/2014</a:t>
             </a:fld>
             <a:endParaRPr lang="en-IE"/>
           </a:p>
@@ -14463,7 +14463,7 @@
           <a:p>
             <a:fld id="{C57078D7-F52C-4ACD-A89C-FA2D4303C4A9}" type="datetimeFigureOut">
               <a:rPr lang="en-IE" smtClean="0"/>
-              <a:t>07/10/2014</a:t>
+              <a:t>13/10/2014</a:t>
             </a:fld>
             <a:endParaRPr lang="en-IE"/>
           </a:p>
@@ -16004,33 +16004,33 @@
           <a:lstStyle/>
           <a:p>
             <a:r>
-              <a:rPr lang="en-GB"/>
+              <a:rPr lang="en-GB" dirty="0"/>
               <a:t>The </a:t>
             </a:r>
             <a:r>
-              <a:rPr lang="en-GB" b="1">
+              <a:rPr lang="en-GB" b="1" dirty="0">
                 <a:latin typeface="Courier New" pitchFamily="49" charset="0"/>
               </a:rPr>
               <a:t>extends</a:t>
             </a:r>
             <a:r>
-              <a:rPr lang="en-GB"/>
+              <a:rPr lang="en-GB" dirty="0"/>
               <a:t> keyword allows inheritance to occur in Java. It must come </a:t>
             </a:r>
             <a:r>
-              <a:rPr lang="en-GB" b="1"/>
+              <a:rPr lang="en-GB" b="1" dirty="0"/>
               <a:t>after the subclass name</a:t>
             </a:r>
             <a:r>
-              <a:rPr lang="en-GB"/>
+              <a:rPr lang="en-GB" dirty="0"/>
               <a:t> in the class definition, followed by the name of the </a:t>
             </a:r>
             <a:r>
-              <a:rPr lang="en-GB" b="1"/>
+              <a:rPr lang="en-GB" b="1" dirty="0"/>
               <a:t>superclass</a:t>
             </a:r>
             <a:r>
-              <a:rPr lang="en-GB"/>
+              <a:rPr lang="en-GB" dirty="0"/>
               <a:t>.</a:t>
             </a:r>
           </a:p>
@@ -16040,11 +16040,11 @@
               <a:buNone/>
             </a:pPr>
             <a:r>
-              <a:rPr lang="en-GB"/>
+              <a:rPr lang="en-GB" dirty="0"/>
               <a:t>       public class Student </a:t>
             </a:r>
             <a:r>
-              <a:rPr lang="en-GB" b="1"/>
+              <a:rPr lang="en-GB" b="1" dirty="0"/>
               <a:t>extends Person {</a:t>
             </a:r>
           </a:p>
@@ -16053,19 +16053,19 @@
               <a:buFontTx/>
               <a:buNone/>
             </a:pPr>
-            <a:endParaRPr lang="en-GB" b="1"/>
-          </a:p>
-          <a:p>
-            <a:r>
-              <a:rPr lang="en-GB"/>
+            <a:endParaRPr lang="en-GB" b="1" dirty="0"/>
+          </a:p>
+          <a:p>
+            <a:r>
+              <a:rPr lang="en-GB" dirty="0"/>
               <a:t>The constructor with arguments contains the following important code to pass the relevant arguments it receives “up” to the superclass constructor. ‘</a:t>
             </a:r>
             <a:r>
-              <a:rPr lang="en-GB" b="1"/>
+              <a:rPr lang="en-GB" b="1" dirty="0"/>
               <a:t>super’</a:t>
             </a:r>
             <a:r>
-              <a:rPr lang="en-GB"/>
+              <a:rPr lang="en-GB" dirty="0"/>
               <a:t> is the keyword which refers to the superclass (Person in this case)</a:t>
             </a:r>
           </a:p>
@@ -16075,14 +16075,22 @@
               <a:buNone/>
             </a:pPr>
             <a:r>
-              <a:rPr lang="en-GB"/>
+              <a:rPr lang="en-GB" dirty="0"/>
               <a:t>        </a:t>
             </a:r>
             <a:r>
-              <a:rPr lang="en-GB" smtClean="0"/>
-              <a:t>super(name,age,gender);</a:t>
-            </a:r>
-            <a:endParaRPr lang="en-GB"/>
+              <a:rPr lang="en-GB" dirty="0" smtClean="0"/>
+              <a:t>super(</a:t>
+            </a:r>
+            <a:r>
+              <a:rPr lang="en-GB" dirty="0" err="1" smtClean="0"/>
+              <a:t>name,age,gender</a:t>
+            </a:r>
+            <a:r>
+              <a:rPr lang="en-GB" dirty="0" smtClean="0"/>
+              <a:t>);</a:t>
+            </a:r>
+            <a:endParaRPr lang="en-GB" dirty="0"/>
           </a:p>
         </p:txBody>
       </p:sp>
@@ -16096,7 +16104,7 @@
         </p:nvSpPr>
         <p:spPr bwMode="auto">
           <a:xfrm>
-            <a:off x="3287714" y="2276476"/>
+            <a:off x="3232150" y="2152652"/>
             <a:ext cx="6264275" cy="504825"/>
           </a:xfrm>
           <a:prstGeom prst="rect">
@@ -16139,8 +16147,8 @@
         </p:nvSpPr>
         <p:spPr bwMode="auto">
           <a:xfrm flipH="1">
-            <a:off x="9191625" y="1557338"/>
-            <a:ext cx="304800" cy="647700"/>
+            <a:off x="8169277" y="1557338"/>
+            <a:ext cx="1327148" cy="595314"/>
           </a:xfrm>
           <a:prstGeom prst="line">
             <a:avLst/>
@@ -16180,8 +16188,8 @@
         </p:nvSpPr>
         <p:spPr bwMode="auto">
           <a:xfrm>
-            <a:off x="4800601" y="765176"/>
-            <a:ext cx="1800225" cy="1584325"/>
+            <a:off x="4800601" y="765177"/>
+            <a:ext cx="2042651" cy="1387476"/>
           </a:xfrm>
           <a:prstGeom prst="line">
             <a:avLst/>
@@ -22866,91 +22874,104 @@
           <a:lstStyle/>
           <a:p>
             <a:r>
-              <a:rPr lang="en-GB" b="1"/>
+              <a:rPr lang="en-GB" b="1" dirty="0"/>
               <a:t>Inheritance</a:t>
             </a:r>
             <a:r>
-              <a:rPr lang="en-GB"/>
+              <a:rPr lang="en-GB" dirty="0"/>
               <a:t> is a form of </a:t>
             </a:r>
             <a:r>
-              <a:rPr lang="en-GB" b="1"/>
+              <a:rPr lang="en-GB" b="1" dirty="0"/>
               <a:t>software reusability</a:t>
             </a:r>
             <a:r>
-              <a:rPr lang="en-GB"/>
+              <a:rPr lang="en-GB" dirty="0"/>
               <a:t> where new classes are created from existing classes. The new class (called the </a:t>
             </a:r>
             <a:r>
-              <a:rPr lang="en-GB" b="1"/>
+              <a:rPr lang="en-GB" b="1" dirty="0"/>
               <a:t>derived</a:t>
             </a:r>
             <a:r>
-              <a:rPr lang="en-GB"/>
+              <a:rPr lang="en-GB" dirty="0"/>
               <a:t> class or </a:t>
             </a:r>
             <a:r>
-              <a:rPr lang="en-GB" b="1"/>
+              <a:rPr lang="en-GB" b="1" dirty="0"/>
               <a:t>subclass</a:t>
             </a:r>
             <a:r>
-              <a:rPr lang="en-GB"/>
+              <a:rPr lang="en-GB" dirty="0"/>
               <a:t>) implicitly takes on board the </a:t>
             </a:r>
             <a:r>
-              <a:rPr lang="en-GB" b="1"/>
-              <a:t>non-private</a:t>
-            </a:r>
-            <a:r>
-              <a:rPr lang="en-GB"/>
+              <a:rPr lang="en-GB" b="1" dirty="0" smtClean="0"/>
+              <a:t>attributes</a:t>
+            </a:r>
+            <a:r>
+              <a:rPr lang="en-GB" dirty="0" smtClean="0"/>
               <a:t> </a:t>
             </a:r>
             <a:r>
-              <a:rPr lang="en-GB" b="1"/>
-              <a:t>attributes</a:t>
-            </a:r>
-            <a:r>
-              <a:rPr lang="en-GB"/>
-              <a:t> and </a:t>
-            </a:r>
-            <a:r>
-              <a:rPr lang="en-GB" b="1"/>
+              <a:rPr lang="en-GB" dirty="0"/>
+              <a:t>and </a:t>
+            </a:r>
+            <a:r>
+              <a:rPr lang="en-GB" dirty="0" smtClean="0"/>
+              <a:t>public </a:t>
+            </a:r>
+            <a:r>
+              <a:rPr lang="en-GB" b="1" dirty="0" smtClean="0"/>
               <a:t>methods</a:t>
             </a:r>
             <a:r>
-              <a:rPr lang="en-GB"/>
-              <a:t> (but </a:t>
-            </a:r>
-            <a:r>
-              <a:rPr lang="en-GB" b="1"/>
+              <a:rPr lang="en-GB" dirty="0" smtClean="0"/>
+              <a:t> </a:t>
+            </a:r>
+            <a:r>
+              <a:rPr lang="en-GB" dirty="0"/>
+              <a:t>(but </a:t>
+            </a:r>
+            <a:r>
+              <a:rPr lang="en-GB" b="1" dirty="0"/>
               <a:t>not constructors</a:t>
             </a:r>
             <a:r>
-              <a:rPr lang="en-GB"/>
+              <a:rPr lang="en-GB" dirty="0"/>
               <a:t>) of the existing class (called the </a:t>
             </a:r>
             <a:r>
-              <a:rPr lang="en-GB" b="1"/>
+              <a:rPr lang="en-GB" b="1" dirty="0"/>
               <a:t>base</a:t>
             </a:r>
             <a:r>
-              <a:rPr lang="en-GB"/>
+              <a:rPr lang="en-GB" dirty="0"/>
               <a:t> class or </a:t>
             </a:r>
             <a:r>
-              <a:rPr lang="en-GB" b="1"/>
+              <a:rPr lang="en-GB" b="1" dirty="0"/>
               <a:t>superclass</a:t>
             </a:r>
             <a:r>
-              <a:rPr lang="en-GB"/>
-              <a:t>) and adds its own attributes and methods to distinguish it from the superclass.</a:t>
-            </a:r>
-          </a:p>
-          <a:p>
-            <a:endParaRPr lang="en-GB"/>
-          </a:p>
-          <a:p>
-            <a:endParaRPr lang="en-GB" smtClean="0"/>
+              <a:rPr lang="en-GB" dirty="0"/>
+              <a:t>) and adds its own attributes and methods to distinguish it from the superclass</a:t>
+            </a:r>
+            <a:r>
+              <a:rPr lang="en-GB" dirty="0" smtClean="0"/>
+              <a:t>. A subclass has no access to the private attributes of </a:t>
+            </a:r>
+            <a:r>
+              <a:rPr lang="en-GB" smtClean="0"/>
+              <a:t>a superclass.</a:t>
+            </a:r>
+            <a:endParaRPr lang="en-GB" dirty="0"/>
+          </a:p>
+          <a:p>
+            <a:endParaRPr lang="en-GB" dirty="0"/>
+          </a:p>
+          <a:p>
+            <a:endParaRPr lang="en-GB" dirty="0" smtClean="0"/>
           </a:p>
         </p:txBody>
       </p:sp>
